--- a/Shiny/shiny.pptx
+++ b/Shiny/shiny.pptx
@@ -111,6 +111,11 @@
       </a:defRPr>
     </a:lvl9pPr>
   </p:defaultTextStyle>
+  <p:extLst>
+    <p:ext uri="{EFAFB233-063F-42B5-8137-9DF3F51BA10A}">
+      <p15:sldGuideLst xmlns:p15="http://schemas.microsoft.com/office/powerpoint/2012/main"/>
+    </p:ext>
+  </p:extLst>
 </p:presentation>
 </file>
 
@@ -3080,7 +3085,15 @@
           <a:p>
             <a:r>
               <a:rPr lang="is-IS" dirty="0" smtClean="0"/>
-              <a:t>Easy to take visualizations made in R and make them interactive and deploy to the web</a:t>
+              <a:t>Easy to take visualizations made in </a:t>
+            </a:r>
+            <a:r>
+              <a:rPr lang="is-IS" dirty="0" smtClean="0"/>
+              <a:t>R, make </a:t>
+            </a:r>
+            <a:r>
+              <a:rPr lang="is-IS" dirty="0" smtClean="0"/>
+              <a:t>them interactive and deploy to the web</a:t>
             </a:r>
           </a:p>
           <a:p>
@@ -3444,7 +3457,6 @@
               <a:rPr lang="en-US" dirty="0" smtClean="0"/>
               <a:t>User interface: the code needed to determine the layout of the app</a:t>
             </a:r>
-            <a:endParaRPr lang="en-US" dirty="0" smtClean="0"/>
           </a:p>
           <a:p>
             <a:pPr lvl="1">
@@ -3841,7 +3853,15 @@
             </a:r>
             <a:r>
               <a:rPr lang="en-US" dirty="0" smtClean="0"/>
-              <a:t> and data in one folder</a:t>
+              <a:t> and </a:t>
+            </a:r>
+            <a:r>
+              <a:rPr lang="en-US" dirty="0" smtClean="0"/>
+              <a:t>dataset(s) </a:t>
+            </a:r>
+            <a:r>
+              <a:rPr lang="en-US" dirty="0" smtClean="0"/>
+              <a:t>in one folder</a:t>
             </a:r>
           </a:p>
           <a:p>
@@ -3871,6 +3891,26 @@
               <a:rPr lang="en-US" dirty="0" err="1" smtClean="0"/>
               <a:t>shinyapps.io</a:t>
             </a:r>
+            <a:r>
+              <a:rPr lang="en-US" dirty="0"/>
+              <a:t> (</a:t>
+            </a:r>
+            <a:r>
+              <a:rPr lang="en-US" dirty="0">
+                <a:hlinkClick r:id="rId2"/>
+              </a:rPr>
+              <a:t>http://www.shinyapps.io</a:t>
+            </a:r>
+            <a:r>
+              <a:rPr lang="en-US" dirty="0" smtClean="0">
+                <a:hlinkClick r:id="rId2"/>
+              </a:rPr>
+              <a:t>/</a:t>
+            </a:r>
+            <a:r>
+              <a:rPr lang="en-US" dirty="0" smtClean="0"/>
+              <a:t>)</a:t>
+            </a:r>
             <a:endParaRPr lang="en-US" dirty="0" smtClean="0"/>
           </a:p>
           <a:p>
@@ -3889,8 +3929,9 @@
             <a:pPr lvl="1"/>
             <a:r>
               <a:rPr lang="en-US" dirty="0" smtClean="0"/>
-              <a:t>Publish </a:t>
-            </a:r>
+              <a:t>Press publish </a:t>
+            </a:r>
+            <a:endParaRPr lang="en-US" dirty="0" smtClean="0"/>
           </a:p>
           <a:p>
             <a:pPr lvl="1"/>
